--- a/churchspot_html/Presentation1.pptx
+++ b/churchspot_html/Presentation1.pptx
@@ -104,6 +104,11 @@
       </a:defRPr>
     </a:lvl9pPr>
   </p:defaultTextStyle>
+  <p:extLst>
+    <p:ext uri="{EFAFB233-063F-42B5-8137-9DF3F51BA10A}">
+      <p15:sldGuideLst xmlns:p15="http://schemas.microsoft.com/office/powerpoint/2012/main"/>
+    </p:ext>
+  </p:extLst>
 </p:presentation>
 </file>
 
@@ -152,7 +157,6 @@
               <a:rPr lang="en-US"/>
               <a:t>Click to edit Master title style</a:t>
             </a:r>
-            <a:endParaRPr lang="en-US"/>
           </a:p>
         </p:txBody>
       </p:sp>
@@ -217,7 +221,6 @@
               <a:rPr lang="en-US"/>
               <a:t>Click to edit Master subtitle style</a:t>
             </a:r>
-            <a:endParaRPr lang="en-US"/>
           </a:p>
         </p:txBody>
       </p:sp>
@@ -238,7 +241,7 @@
           <a:p>
             <a:fld id="{C6DD8EFD-0476-4B0C-B858-67E09B6AFB52}" type="datetimeFigureOut">
               <a:rPr lang="en-US" smtClean="0"/>
-              <a:t>8/30/2016</a:t>
+              <a:t>9/1/2016</a:t>
             </a:fld>
             <a:endParaRPr lang="en-US"/>
           </a:p>
@@ -335,7 +338,6 @@
               <a:rPr lang="en-US"/>
               <a:t>Click to edit Master title style</a:t>
             </a:r>
-            <a:endParaRPr lang="en-US"/>
           </a:p>
         </p:txBody>
       </p:sp>
@@ -387,7 +389,6 @@
               <a:rPr lang="en-US"/>
               <a:t>Fifth level</a:t>
             </a:r>
-            <a:endParaRPr lang="en-US"/>
           </a:p>
         </p:txBody>
       </p:sp>
@@ -408,7 +409,7 @@
           <a:p>
             <a:fld id="{C6DD8EFD-0476-4B0C-B858-67E09B6AFB52}" type="datetimeFigureOut">
               <a:rPr lang="en-US" smtClean="0"/>
-              <a:t>8/30/2016</a:t>
+              <a:t>9/1/2016</a:t>
             </a:fld>
             <a:endParaRPr lang="en-US"/>
           </a:p>
@@ -510,7 +511,6 @@
               <a:rPr lang="en-US"/>
               <a:t>Click to edit Master title style</a:t>
             </a:r>
-            <a:endParaRPr lang="en-US"/>
           </a:p>
         </p:txBody>
       </p:sp>
@@ -567,7 +567,6 @@
               <a:rPr lang="en-US"/>
               <a:t>Fifth level</a:t>
             </a:r>
-            <a:endParaRPr lang="en-US"/>
           </a:p>
         </p:txBody>
       </p:sp>
@@ -588,7 +587,7 @@
           <a:p>
             <a:fld id="{C6DD8EFD-0476-4B0C-B858-67E09B6AFB52}" type="datetimeFigureOut">
               <a:rPr lang="en-US" smtClean="0"/>
-              <a:t>8/30/2016</a:t>
+              <a:t>9/1/2016</a:t>
             </a:fld>
             <a:endParaRPr lang="en-US"/>
           </a:p>
@@ -685,7 +684,6 @@
               <a:rPr lang="en-US"/>
               <a:t>Click to edit Master title style</a:t>
             </a:r>
-            <a:endParaRPr lang="en-US"/>
           </a:p>
         </p:txBody>
       </p:sp>
@@ -737,7 +735,6 @@
               <a:rPr lang="en-US"/>
               <a:t>Fifth level</a:t>
             </a:r>
-            <a:endParaRPr lang="en-US"/>
           </a:p>
         </p:txBody>
       </p:sp>
@@ -758,7 +755,7 @@
           <a:p>
             <a:fld id="{C6DD8EFD-0476-4B0C-B858-67E09B6AFB52}" type="datetimeFigureOut">
               <a:rPr lang="en-US" smtClean="0"/>
-              <a:t>8/30/2016</a:t>
+              <a:t>9/1/2016</a:t>
             </a:fld>
             <a:endParaRPr lang="en-US"/>
           </a:p>
@@ -864,7 +861,6 @@
               <a:rPr lang="en-US"/>
               <a:t>Click to edit Master title style</a:t>
             </a:r>
-            <a:endParaRPr lang="en-US"/>
           </a:p>
         </p:txBody>
       </p:sp>
@@ -1004,7 +1000,7 @@
           <a:p>
             <a:fld id="{C6DD8EFD-0476-4B0C-B858-67E09B6AFB52}" type="datetimeFigureOut">
               <a:rPr lang="en-US" smtClean="0"/>
-              <a:t>8/30/2016</a:t>
+              <a:t>9/1/2016</a:t>
             </a:fld>
             <a:endParaRPr lang="en-US"/>
           </a:p>
@@ -1101,7 +1097,6 @@
               <a:rPr lang="en-US"/>
               <a:t>Click to edit Master title style</a:t>
             </a:r>
-            <a:endParaRPr lang="en-US"/>
           </a:p>
         </p:txBody>
       </p:sp>
@@ -1158,7 +1153,6 @@
               <a:rPr lang="en-US"/>
               <a:t>Fifth level</a:t>
             </a:r>
-            <a:endParaRPr lang="en-US"/>
           </a:p>
         </p:txBody>
       </p:sp>
@@ -1215,7 +1209,6 @@
               <a:rPr lang="en-US"/>
               <a:t>Fifth level</a:t>
             </a:r>
-            <a:endParaRPr lang="en-US"/>
           </a:p>
         </p:txBody>
       </p:sp>
@@ -1236,7 +1229,7 @@
           <a:p>
             <a:fld id="{C6DD8EFD-0476-4B0C-B858-67E09B6AFB52}" type="datetimeFigureOut">
               <a:rPr lang="en-US" smtClean="0"/>
-              <a:t>8/30/2016</a:t>
+              <a:t>9/1/2016</a:t>
             </a:fld>
             <a:endParaRPr lang="en-US"/>
           </a:p>
@@ -1338,7 +1331,6 @@
               <a:rPr lang="en-US"/>
               <a:t>Click to edit Master title style</a:t>
             </a:r>
-            <a:endParaRPr lang="en-US"/>
           </a:p>
         </p:txBody>
       </p:sp>
@@ -1460,7 +1452,6 @@
               <a:rPr lang="en-US"/>
               <a:t>Fifth level</a:t>
             </a:r>
-            <a:endParaRPr lang="en-US"/>
           </a:p>
         </p:txBody>
       </p:sp>
@@ -1582,7 +1573,6 @@
               <a:rPr lang="en-US"/>
               <a:t>Fifth level</a:t>
             </a:r>
-            <a:endParaRPr lang="en-US"/>
           </a:p>
         </p:txBody>
       </p:sp>
@@ -1603,7 +1593,7 @@
           <a:p>
             <a:fld id="{C6DD8EFD-0476-4B0C-B858-67E09B6AFB52}" type="datetimeFigureOut">
               <a:rPr lang="en-US" smtClean="0"/>
-              <a:t>8/30/2016</a:t>
+              <a:t>9/1/2016</a:t>
             </a:fld>
             <a:endParaRPr lang="en-US"/>
           </a:p>
@@ -1700,7 +1690,6 @@
               <a:rPr lang="en-US"/>
               <a:t>Click to edit Master title style</a:t>
             </a:r>
-            <a:endParaRPr lang="en-US"/>
           </a:p>
         </p:txBody>
       </p:sp>
@@ -1721,7 +1710,7 @@
           <a:p>
             <a:fld id="{C6DD8EFD-0476-4B0C-B858-67E09B6AFB52}" type="datetimeFigureOut">
               <a:rPr lang="en-US" smtClean="0"/>
-              <a:t>8/30/2016</a:t>
+              <a:t>9/1/2016</a:t>
             </a:fld>
             <a:endParaRPr lang="en-US"/>
           </a:p>
@@ -1816,7 +1805,7 @@
           <a:p>
             <a:fld id="{C6DD8EFD-0476-4B0C-B858-67E09B6AFB52}" type="datetimeFigureOut">
               <a:rPr lang="en-US" smtClean="0"/>
-              <a:t>8/30/2016</a:t>
+              <a:t>9/1/2016</a:t>
             </a:fld>
             <a:endParaRPr lang="en-US"/>
           </a:p>
@@ -1922,7 +1911,6 @@
               <a:rPr lang="en-US"/>
               <a:t>Click to edit Master title style</a:t>
             </a:r>
-            <a:endParaRPr lang="en-US"/>
           </a:p>
         </p:txBody>
       </p:sp>
@@ -2007,7 +1995,6 @@
               <a:rPr lang="en-US"/>
               <a:t>Fifth level</a:t>
             </a:r>
-            <a:endParaRPr lang="en-US"/>
           </a:p>
         </p:txBody>
       </p:sp>
@@ -2093,7 +2080,7 @@
           <a:p>
             <a:fld id="{C6DD8EFD-0476-4B0C-B858-67E09B6AFB52}" type="datetimeFigureOut">
               <a:rPr lang="en-US" smtClean="0"/>
-              <a:t>8/30/2016</a:t>
+              <a:t>9/1/2016</a:t>
             </a:fld>
             <a:endParaRPr lang="en-US"/>
           </a:p>
@@ -2199,7 +2186,6 @@
               <a:rPr lang="en-US"/>
               <a:t>Click to edit Master title style</a:t>
             </a:r>
-            <a:endParaRPr lang="en-US"/>
           </a:p>
         </p:txBody>
       </p:sp>
@@ -2346,7 +2332,7 @@
           <a:p>
             <a:fld id="{C6DD8EFD-0476-4B0C-B858-67E09B6AFB52}" type="datetimeFigureOut">
               <a:rPr lang="en-US" smtClean="0"/>
-              <a:t>8/30/2016</a:t>
+              <a:t>9/1/2016</a:t>
             </a:fld>
             <a:endParaRPr lang="en-US"/>
           </a:p>
@@ -2458,7 +2444,6 @@
               <a:rPr lang="en-US"/>
               <a:t>Click to edit Master title style</a:t>
             </a:r>
-            <a:endParaRPr lang="en-US"/>
           </a:p>
         </p:txBody>
       </p:sp>
@@ -2520,7 +2505,6 @@
               <a:rPr lang="en-US"/>
               <a:t>Fifth level</a:t>
             </a:r>
-            <a:endParaRPr lang="en-US"/>
           </a:p>
         </p:txBody>
       </p:sp>
@@ -2559,7 +2543,7 @@
           <a:p>
             <a:fld id="{C6DD8EFD-0476-4B0C-B858-67E09B6AFB52}" type="datetimeFigureOut">
               <a:rPr lang="en-US" smtClean="0"/>
-              <a:t>8/30/2016</a:t>
+              <a:t>9/1/2016</a:t>
             </a:fld>
             <a:endParaRPr lang="en-US"/>
           </a:p>
@@ -2964,25 +2948,6 @@
           <a:chExt cx="0" cy="0"/>
         </a:xfrm>
       </p:grpSpPr>
-      <p:sp>
-        <p:nvSpPr>
-          <p:cNvPr id="3" name="Subtitle 2"/>
-          <p:cNvSpPr>
-            <a:spLocks noGrp="1"/>
-          </p:cNvSpPr>
-          <p:nvPr>
-            <p:ph type="subTitle" idx="1"/>
-          </p:nvPr>
-        </p:nvSpPr>
-        <p:spPr/>
-        <p:txBody>
-          <a:bodyPr/>
-          <a:lstStyle/>
-          <a:p>
-            <a:endParaRPr lang="en-US"/>
-          </a:p>
-        </p:txBody>
-      </p:sp>
       <p:pic>
         <p:nvPicPr>
           <p:cNvPr id="1026" name="Picture 2" descr="https://openclipart.org/image/2400px/svg_to_png/170364/eco-green-car-icon.png"/>
@@ -3136,6 +3101,270 @@
           <a:xfrm>
             <a:off x="976312" y="904875"/>
             <a:ext cx="121444" cy="127862"/>
+          </a:xfrm>
+          <a:prstGeom prst="rect">
+            <a:avLst/>
+          </a:prstGeom>
+          <a:noFill/>
+          <a:extLst>
+            <a:ext uri="{909E8E84-426E-40DD-AFC4-6F175D3DCCD1}">
+              <a14:hiddenFill xmlns:a14="http://schemas.microsoft.com/office/drawing/2010/main">
+                <a:solidFill>
+                  <a:srgbClr val="FFFFFF"/>
+                </a:solidFill>
+              </a14:hiddenFill>
+            </a:ext>
+          </a:extLst>
+        </p:spPr>
+      </p:pic>
+      <p:pic>
+        <p:nvPicPr>
+          <p:cNvPr id="4" name="Picture 4" descr="Image result for church 3d icon png"/>
+          <p:cNvPicPr>
+            <a:picLocks noChangeAspect="1" noChangeArrowheads="1"/>
+          </p:cNvPicPr>
+          <p:nvPr/>
+        </p:nvPicPr>
+        <p:blipFill>
+          <a:blip r:embed="rId7">
+            <a:extLst>
+              <a:ext uri="{28A0092B-C50C-407E-A947-70E740481C1C}">
+                <a14:useLocalDpi xmlns:a14="http://schemas.microsoft.com/office/drawing/2010/main" val="0"/>
+              </a:ext>
+            </a:extLst>
+          </a:blip>
+          <a:srcRect/>
+          <a:stretch>
+            <a:fillRect/>
+          </a:stretch>
+        </p:blipFill>
+        <p:spPr bwMode="auto">
+          <a:xfrm>
+            <a:off x="5178149" y="690079"/>
+            <a:ext cx="2438400" cy="2438400"/>
+          </a:xfrm>
+          <a:prstGeom prst="rect">
+            <a:avLst/>
+          </a:prstGeom>
+          <a:noFill/>
+          <a:extLst>
+            <a:ext uri="{909E8E84-426E-40DD-AFC4-6F175D3DCCD1}">
+              <a14:hiddenFill xmlns:a14="http://schemas.microsoft.com/office/drawing/2010/main">
+                <a:solidFill>
+                  <a:srgbClr val="FFFFFF"/>
+                </a:solidFill>
+              </a14:hiddenFill>
+            </a:ext>
+          </a:extLst>
+        </p:spPr>
+      </p:pic>
+      <p:pic>
+        <p:nvPicPr>
+          <p:cNvPr id="5" name="Picture 6" descr="Image result for church 3d icon png"/>
+          <p:cNvPicPr>
+            <a:picLocks noChangeAspect="1" noChangeArrowheads="1"/>
+          </p:cNvPicPr>
+          <p:nvPr/>
+        </p:nvPicPr>
+        <p:blipFill>
+          <a:blip r:embed="rId8">
+            <a:extLst>
+              <a:ext uri="{28A0092B-C50C-407E-A947-70E740481C1C}">
+                <a14:useLocalDpi xmlns:a14="http://schemas.microsoft.com/office/drawing/2010/main" val="0"/>
+              </a:ext>
+            </a:extLst>
+          </a:blip>
+          <a:srcRect/>
+          <a:stretch>
+            <a:fillRect/>
+          </a:stretch>
+        </p:blipFill>
+        <p:spPr bwMode="auto">
+          <a:xfrm>
+            <a:off x="976312" y="1909279"/>
+            <a:ext cx="309149" cy="309149"/>
+          </a:xfrm>
+          <a:prstGeom prst="rect">
+            <a:avLst/>
+          </a:prstGeom>
+          <a:noFill/>
+          <a:extLst>
+            <a:ext uri="{909E8E84-426E-40DD-AFC4-6F175D3DCCD1}">
+              <a14:hiddenFill xmlns:a14="http://schemas.microsoft.com/office/drawing/2010/main">
+                <a:solidFill>
+                  <a:srgbClr val="FFFFFF"/>
+                </a:solidFill>
+              </a14:hiddenFill>
+            </a:ext>
+          </a:extLst>
+        </p:spPr>
+      </p:pic>
+      <p:sp>
+        <p:nvSpPr>
+          <p:cNvPr id="6" name="AutoShape 8" descr="Image result for tick icon"/>
+          <p:cNvSpPr>
+            <a:spLocks noChangeAspect="1" noChangeArrowheads="1"/>
+          </p:cNvSpPr>
+          <p:nvPr/>
+        </p:nvSpPr>
+        <p:spPr bwMode="auto">
+          <a:xfrm>
+            <a:off x="155575" y="-144463"/>
+            <a:ext cx="304800" cy="304801"/>
+          </a:xfrm>
+          <a:prstGeom prst="rect">
+            <a:avLst/>
+          </a:prstGeom>
+          <a:noFill/>
+          <a:extLst>
+            <a:ext uri="{909E8E84-426E-40DD-AFC4-6F175D3DCCD1}">
+              <a14:hiddenFill xmlns:a14="http://schemas.microsoft.com/office/drawing/2010/main">
+                <a:solidFill>
+                  <a:srgbClr val="FFFFFF"/>
+                </a:solidFill>
+              </a14:hiddenFill>
+            </a:ext>
+          </a:extLst>
+        </p:spPr>
+        <p:txBody>
+          <a:bodyPr vert="horz" wrap="square" lIns="91440" tIns="45720" rIns="91440" bIns="45720" numCol="1" anchor="t" anchorCtr="0" compatLnSpc="1">
+            <a:prstTxWarp prst="textNoShape">
+              <a:avLst/>
+            </a:prstTxWarp>
+          </a:bodyPr>
+          <a:lstStyle/>
+          <a:p>
+            <a:endParaRPr lang="en-US"/>
+          </a:p>
+        </p:txBody>
+      </p:sp>
+      <p:sp>
+        <p:nvSpPr>
+          <p:cNvPr id="7" name="AutoShape 10" descr="Image result for tick icon"/>
+          <p:cNvSpPr>
+            <a:spLocks noChangeAspect="1" noChangeArrowheads="1"/>
+          </p:cNvSpPr>
+          <p:nvPr/>
+        </p:nvSpPr>
+        <p:spPr bwMode="auto">
+          <a:xfrm>
+            <a:off x="307975" y="7937"/>
+            <a:ext cx="304800" cy="304801"/>
+          </a:xfrm>
+          <a:prstGeom prst="rect">
+            <a:avLst/>
+          </a:prstGeom>
+          <a:noFill/>
+          <a:extLst>
+            <a:ext uri="{909E8E84-426E-40DD-AFC4-6F175D3DCCD1}">
+              <a14:hiddenFill xmlns:a14="http://schemas.microsoft.com/office/drawing/2010/main">
+                <a:solidFill>
+                  <a:srgbClr val="FFFFFF"/>
+                </a:solidFill>
+              </a14:hiddenFill>
+            </a:ext>
+          </a:extLst>
+        </p:spPr>
+        <p:txBody>
+          <a:bodyPr vert="horz" wrap="square" lIns="91440" tIns="45720" rIns="91440" bIns="45720" numCol="1" anchor="t" anchorCtr="0" compatLnSpc="1">
+            <a:prstTxWarp prst="textNoShape">
+              <a:avLst/>
+            </a:prstTxWarp>
+          </a:bodyPr>
+          <a:lstStyle/>
+          <a:p>
+            <a:endParaRPr lang="en-US"/>
+          </a:p>
+        </p:txBody>
+      </p:sp>
+      <p:sp>
+        <p:nvSpPr>
+          <p:cNvPr id="8" name="AutoShape 12" descr="Image result for tick icon"/>
+          <p:cNvSpPr>
+            <a:spLocks noChangeAspect="1" noChangeArrowheads="1"/>
+          </p:cNvSpPr>
+          <p:nvPr/>
+        </p:nvSpPr>
+        <p:spPr bwMode="auto">
+          <a:xfrm>
+            <a:off x="460375" y="160337"/>
+            <a:ext cx="304800" cy="304801"/>
+          </a:xfrm>
+          <a:prstGeom prst="rect">
+            <a:avLst/>
+          </a:prstGeom>
+          <a:noFill/>
+          <a:extLst>
+            <a:ext uri="{909E8E84-426E-40DD-AFC4-6F175D3DCCD1}">
+              <a14:hiddenFill xmlns:a14="http://schemas.microsoft.com/office/drawing/2010/main">
+                <a:solidFill>
+                  <a:srgbClr val="FFFFFF"/>
+                </a:solidFill>
+              </a14:hiddenFill>
+            </a:ext>
+          </a:extLst>
+        </p:spPr>
+        <p:txBody>
+          <a:bodyPr vert="horz" wrap="square" lIns="91440" tIns="45720" rIns="91440" bIns="45720" numCol="1" anchor="t" anchorCtr="0" compatLnSpc="1">
+            <a:prstTxWarp prst="textNoShape">
+              <a:avLst/>
+            </a:prstTxWarp>
+          </a:bodyPr>
+          <a:lstStyle/>
+          <a:p>
+            <a:endParaRPr lang="en-US"/>
+          </a:p>
+        </p:txBody>
+      </p:sp>
+      <p:pic>
+        <p:nvPicPr>
+          <p:cNvPr id="9" name="Picture 8"/>
+          <p:cNvPicPr>
+            <a:picLocks noChangeAspect="1"/>
+          </p:cNvPicPr>
+          <p:nvPr/>
+        </p:nvPicPr>
+        <p:blipFill>
+          <a:blip r:embed="rId9"/>
+          <a:stretch>
+            <a:fillRect/>
+          </a:stretch>
+        </p:blipFill>
+        <p:spPr>
+          <a:xfrm>
+            <a:off x="8878957" y="1874837"/>
+            <a:ext cx="1470992" cy="1470992"/>
+          </a:xfrm>
+          <a:prstGeom prst="rect">
+            <a:avLst/>
+          </a:prstGeom>
+        </p:spPr>
+      </p:pic>
+      <p:pic>
+        <p:nvPicPr>
+          <p:cNvPr id="1038" name="Picture 14" descr="Image result for tick icon"/>
+          <p:cNvPicPr>
+            <a:picLocks noChangeAspect="1" noChangeArrowheads="1"/>
+          </p:cNvPicPr>
+          <p:nvPr/>
+        </p:nvPicPr>
+        <p:blipFill>
+          <a:blip r:embed="rId10">
+            <a:extLst>
+              <a:ext uri="{28A0092B-C50C-407E-A947-70E740481C1C}">
+                <a14:useLocalDpi xmlns:a14="http://schemas.microsoft.com/office/drawing/2010/main" val="0"/>
+              </a:ext>
+            </a:extLst>
+          </a:blip>
+          <a:srcRect/>
+          <a:stretch>
+            <a:fillRect/>
+          </a:stretch>
+        </p:blipFill>
+        <p:spPr bwMode="auto">
+          <a:xfrm>
+            <a:off x="1285462" y="3128480"/>
+            <a:ext cx="715618" cy="608633"/>
           </a:xfrm>
           <a:prstGeom prst="rect">
             <a:avLst/>
